--- a/i - Behold the Lamb.pptx
+++ b/i - Behold the Lamb.pptx
@@ -244,7 +244,7 @@
           <a:p>
             <a:fld id="{32F7251A-AE54-443C-B8FE-5F636E835EBF}" type="datetimeFigureOut">
               <a:rPr lang="en-US" smtClean="0"/>
-              <a:t>3/4/2018</a:t>
+              <a:t>4/7/2019</a:t>
             </a:fld>
             <a:endParaRPr lang="en-US"/>
           </a:p>
@@ -412,7 +412,7 @@
           <a:p>
             <a:fld id="{32F7251A-AE54-443C-B8FE-5F636E835EBF}" type="datetimeFigureOut">
               <a:rPr lang="en-US" smtClean="0"/>
-              <a:t>3/4/2018</a:t>
+              <a:t>4/7/2019</a:t>
             </a:fld>
             <a:endParaRPr lang="en-US"/>
           </a:p>
@@ -590,7 +590,7 @@
           <a:p>
             <a:fld id="{32F7251A-AE54-443C-B8FE-5F636E835EBF}" type="datetimeFigureOut">
               <a:rPr lang="en-US" smtClean="0"/>
-              <a:t>3/4/2018</a:t>
+              <a:t>4/7/2019</a:t>
             </a:fld>
             <a:endParaRPr lang="en-US"/>
           </a:p>
@@ -758,7 +758,7 @@
           <a:p>
             <a:fld id="{32F7251A-AE54-443C-B8FE-5F636E835EBF}" type="datetimeFigureOut">
               <a:rPr lang="en-US" smtClean="0"/>
-              <a:t>3/4/2018</a:t>
+              <a:t>4/7/2019</a:t>
             </a:fld>
             <a:endParaRPr lang="en-US"/>
           </a:p>
@@ -1003,7 +1003,7 @@
           <a:p>
             <a:fld id="{32F7251A-AE54-443C-B8FE-5F636E835EBF}" type="datetimeFigureOut">
               <a:rPr lang="en-US" smtClean="0"/>
-              <a:t>3/4/2018</a:t>
+              <a:t>4/7/2019</a:t>
             </a:fld>
             <a:endParaRPr lang="en-US"/>
           </a:p>
@@ -1232,7 +1232,7 @@
           <a:p>
             <a:fld id="{32F7251A-AE54-443C-B8FE-5F636E835EBF}" type="datetimeFigureOut">
               <a:rPr lang="en-US" smtClean="0"/>
-              <a:t>3/4/2018</a:t>
+              <a:t>4/7/2019</a:t>
             </a:fld>
             <a:endParaRPr lang="en-US"/>
           </a:p>
@@ -1596,7 +1596,7 @@
           <a:p>
             <a:fld id="{32F7251A-AE54-443C-B8FE-5F636E835EBF}" type="datetimeFigureOut">
               <a:rPr lang="en-US" smtClean="0"/>
-              <a:t>3/4/2018</a:t>
+              <a:t>4/7/2019</a:t>
             </a:fld>
             <a:endParaRPr lang="en-US"/>
           </a:p>
@@ -1713,7 +1713,7 @@
           <a:p>
             <a:fld id="{32F7251A-AE54-443C-B8FE-5F636E835EBF}" type="datetimeFigureOut">
               <a:rPr lang="en-US" smtClean="0"/>
-              <a:t>3/4/2018</a:t>
+              <a:t>4/7/2019</a:t>
             </a:fld>
             <a:endParaRPr lang="en-US"/>
           </a:p>
@@ -1808,7 +1808,7 @@
           <a:p>
             <a:fld id="{32F7251A-AE54-443C-B8FE-5F636E835EBF}" type="datetimeFigureOut">
               <a:rPr lang="en-US" smtClean="0"/>
-              <a:t>3/4/2018</a:t>
+              <a:t>4/7/2019</a:t>
             </a:fld>
             <a:endParaRPr lang="en-US"/>
           </a:p>
@@ -2083,7 +2083,7 @@
           <a:p>
             <a:fld id="{32F7251A-AE54-443C-B8FE-5F636E835EBF}" type="datetimeFigureOut">
               <a:rPr lang="en-US" smtClean="0"/>
-              <a:t>3/4/2018</a:t>
+              <a:t>4/7/2019</a:t>
             </a:fld>
             <a:endParaRPr lang="en-US"/>
           </a:p>
@@ -2335,7 +2335,7 @@
           <a:p>
             <a:fld id="{32F7251A-AE54-443C-B8FE-5F636E835EBF}" type="datetimeFigureOut">
               <a:rPr lang="en-US" smtClean="0"/>
-              <a:t>3/4/2018</a:t>
+              <a:t>4/7/2019</a:t>
             </a:fld>
             <a:endParaRPr lang="en-US"/>
           </a:p>
@@ -2549,7 +2549,7 @@
           <a:p>
             <a:fld id="{32F7251A-AE54-443C-B8FE-5F636E835EBF}" type="datetimeFigureOut">
               <a:rPr lang="en-US" smtClean="0"/>
-              <a:t>3/4/2018</a:t>
+              <a:t>4/7/2019</a:t>
             </a:fld>
             <a:endParaRPr lang="en-US"/>
           </a:p>
@@ -3314,7 +3314,7 @@
                   <a:schemeClr val="bg1"/>
                 </a:solidFill>
               </a:rPr>
-              <a:t>The boy of our Savior Jesus Christ,</a:t>
+              <a:t>The body of our Savior Jesus Christ,</a:t>
             </a:r>
           </a:p>
           <a:p>
